--- a/docs/exercises_transportation/slides/Exercise04_Template.pptx
+++ b/docs/exercises_transportation/slides/Exercise04_Template.pptx
@@ -1126,7 +1126,7 @@
   <pc:docChgLst>
     <pc:chgData name="Smith, Christopher" userId="f635bcaf-d701-437b-bffd-1a8f160c01d9" providerId="ADAL" clId="{703152EE-6B53-4EA6-AE54-8E9982A44287}"/>
     <pc:docChg chg="addSld delSld modSld">
-      <pc:chgData name="Smith, Christopher" userId="f635bcaf-d701-437b-bffd-1a8f160c01d9" providerId="ADAL" clId="{703152EE-6B53-4EA6-AE54-8E9982A44287}" dt="2024-02-28T22:25:04.769" v="730" actId="20577"/>
+      <pc:chgData name="Smith, Christopher" userId="f635bcaf-d701-437b-bffd-1a8f160c01d9" providerId="ADAL" clId="{703152EE-6B53-4EA6-AE54-8E9982A44287}" dt="2024-02-28T22:59:19.821" v="738" actId="20577"/>
       <pc:docMkLst>
         <pc:docMk/>
       </pc:docMkLst>
@@ -1145,7 +1145,7 @@
         </pc:sldMkLst>
       </pc:sldChg>
       <pc:sldChg chg="modSp mod">
-        <pc:chgData name="Smith, Christopher" userId="f635bcaf-d701-437b-bffd-1a8f160c01d9" providerId="ADAL" clId="{703152EE-6B53-4EA6-AE54-8E9982A44287}" dt="2024-02-28T22:21:20.510" v="386" actId="20577"/>
+        <pc:chgData name="Smith, Christopher" userId="f635bcaf-d701-437b-bffd-1a8f160c01d9" providerId="ADAL" clId="{703152EE-6B53-4EA6-AE54-8E9982A44287}" dt="2024-02-28T22:59:08.472" v="732" actId="20577"/>
         <pc:sldMkLst>
           <pc:docMk/>
           <pc:sldMk cId="2132968020" sldId="262"/>
@@ -1159,7 +1159,7 @@
           </ac:spMkLst>
         </pc:spChg>
         <pc:spChg chg="mod">
-          <ac:chgData name="Smith, Christopher" userId="f635bcaf-d701-437b-bffd-1a8f160c01d9" providerId="ADAL" clId="{703152EE-6B53-4EA6-AE54-8E9982A44287}" dt="2024-02-28T22:21:20.510" v="386" actId="20577"/>
+          <ac:chgData name="Smith, Christopher" userId="f635bcaf-d701-437b-bffd-1a8f160c01d9" providerId="ADAL" clId="{703152EE-6B53-4EA6-AE54-8E9982A44287}" dt="2024-02-28T22:59:08.472" v="732" actId="20577"/>
           <ac:spMkLst>
             <pc:docMk/>
             <pc:sldMk cId="2132968020" sldId="262"/>
@@ -1206,13 +1206,13 @@
         </pc:spChg>
       </pc:sldChg>
       <pc:sldChg chg="modSp add mod">
-        <pc:chgData name="Smith, Christopher" userId="f635bcaf-d701-437b-bffd-1a8f160c01d9" providerId="ADAL" clId="{703152EE-6B53-4EA6-AE54-8E9982A44287}" dt="2024-02-28T22:23:04.510" v="495" actId="20577"/>
+        <pc:chgData name="Smith, Christopher" userId="f635bcaf-d701-437b-bffd-1a8f160c01d9" providerId="ADAL" clId="{703152EE-6B53-4EA6-AE54-8E9982A44287}" dt="2024-02-28T22:59:12.378" v="734" actId="20577"/>
         <pc:sldMkLst>
           <pc:docMk/>
           <pc:sldMk cId="3062858450" sldId="263"/>
         </pc:sldMkLst>
         <pc:spChg chg="mod">
-          <ac:chgData name="Smith, Christopher" userId="f635bcaf-d701-437b-bffd-1a8f160c01d9" providerId="ADAL" clId="{703152EE-6B53-4EA6-AE54-8E9982A44287}" dt="2024-02-28T22:23:04.510" v="495" actId="20577"/>
+          <ac:chgData name="Smith, Christopher" userId="f635bcaf-d701-437b-bffd-1a8f160c01d9" providerId="ADAL" clId="{703152EE-6B53-4EA6-AE54-8E9982A44287}" dt="2024-02-28T22:59:12.378" v="734" actId="20577"/>
           <ac:spMkLst>
             <pc:docMk/>
             <pc:sldMk cId="3062858450" sldId="263"/>
@@ -1236,13 +1236,13 @@
         </pc:sldMkLst>
       </pc:sldChg>
       <pc:sldChg chg="modSp add mod">
-        <pc:chgData name="Smith, Christopher" userId="f635bcaf-d701-437b-bffd-1a8f160c01d9" providerId="ADAL" clId="{703152EE-6B53-4EA6-AE54-8E9982A44287}" dt="2024-02-28T22:23:33.119" v="536" actId="20577"/>
+        <pc:chgData name="Smith, Christopher" userId="f635bcaf-d701-437b-bffd-1a8f160c01d9" providerId="ADAL" clId="{703152EE-6B53-4EA6-AE54-8E9982A44287}" dt="2024-02-28T22:59:16.439" v="736" actId="20577"/>
         <pc:sldMkLst>
           <pc:docMk/>
           <pc:sldMk cId="4067796660" sldId="264"/>
         </pc:sldMkLst>
         <pc:spChg chg="mod">
-          <ac:chgData name="Smith, Christopher" userId="f635bcaf-d701-437b-bffd-1a8f160c01d9" providerId="ADAL" clId="{703152EE-6B53-4EA6-AE54-8E9982A44287}" dt="2024-02-28T22:23:33.119" v="536" actId="20577"/>
+          <ac:chgData name="Smith, Christopher" userId="f635bcaf-d701-437b-bffd-1a8f160c01d9" providerId="ADAL" clId="{703152EE-6B53-4EA6-AE54-8E9982A44287}" dt="2024-02-28T22:59:16.439" v="736" actId="20577"/>
           <ac:spMkLst>
             <pc:docMk/>
             <pc:sldMk cId="4067796660" sldId="264"/>
@@ -1304,13 +1304,13 @@
         </pc:sldMkLst>
       </pc:sldChg>
       <pc:sldChg chg="modSp add mod">
-        <pc:chgData name="Smith, Christopher" userId="f635bcaf-d701-437b-bffd-1a8f160c01d9" providerId="ADAL" clId="{703152EE-6B53-4EA6-AE54-8E9982A44287}" dt="2024-02-28T22:25:04.769" v="730" actId="20577"/>
+        <pc:chgData name="Smith, Christopher" userId="f635bcaf-d701-437b-bffd-1a8f160c01d9" providerId="ADAL" clId="{703152EE-6B53-4EA6-AE54-8E9982A44287}" dt="2024-02-28T22:59:19.821" v="738" actId="20577"/>
         <pc:sldMkLst>
           <pc:docMk/>
           <pc:sldMk cId="3867172810" sldId="265"/>
         </pc:sldMkLst>
         <pc:spChg chg="mod">
-          <ac:chgData name="Smith, Christopher" userId="f635bcaf-d701-437b-bffd-1a8f160c01d9" providerId="ADAL" clId="{703152EE-6B53-4EA6-AE54-8E9982A44287}" dt="2024-02-28T22:25:04.769" v="730" actId="20577"/>
+          <ac:chgData name="Smith, Christopher" userId="f635bcaf-d701-437b-bffd-1a8f160c01d9" providerId="ADAL" clId="{703152EE-6B53-4EA6-AE54-8E9982A44287}" dt="2024-02-28T22:59:19.821" v="738" actId="20577"/>
           <ac:spMkLst>
             <pc:docMk/>
             <pc:sldMk cId="3867172810" sldId="265"/>
@@ -7684,7 +7684,7 @@
                 <a:latin typeface="Calisto MT" panose="02040603050505030304"/>
                 <a:cs typeface="Courier New" panose="02070309020205020404" pitchFamily="49" charset="0"/>
               </a:rPr>
-              <a:t>In the space below, copy/paste/insert the bivariate correlation matrix produced in step 7 of the exercise.</a:t>
+              <a:t>In the space below, copy/paste/insert the bivariate correlation matrix produced in step 8 of the exercise.</a:t>
             </a:r>
             <a:endParaRPr kumimoji="0" lang="en-US" sz="1800" b="0" i="0" u="none" strike="noStrike" kern="1200" cap="none" spc="0" normalizeH="0" baseline="0" noProof="0" dirty="0">
               <a:ln>
@@ -8225,7 +8225,7 @@
                 <a:latin typeface="Calisto MT" panose="02040603050505030304"/>
                 <a:cs typeface="Courier New" panose="02070309020205020404" pitchFamily="49" charset="0"/>
               </a:rPr>
-              <a:t>In the space below, copy/paste/insert the first univariate map produced in step 8. The map should show county-wide variations of the health outcome you selected.</a:t>
+              <a:t>In the space below, copy/paste/insert the first univariate map produced in step 9. The map should show county-wide variations of the health outcome you selected.</a:t>
             </a:r>
             <a:endParaRPr kumimoji="0" lang="en-US" sz="1800" b="0" i="0" u="none" strike="noStrike" kern="1200" cap="none" spc="0" normalizeH="0" baseline="0" noProof="0" dirty="0">
               <a:ln>
@@ -8766,7 +8766,7 @@
                 <a:latin typeface="Calisto MT" panose="02040603050505030304"/>
                 <a:cs typeface="Courier New" panose="02070309020205020404" pitchFamily="49" charset="0"/>
               </a:rPr>
-              <a:t>In the space below, copy/paste/insert the second univariate map produced in step 8. The map should show county-wide variations of the transportation-related variable you selected.</a:t>
+              <a:t>In the space below, copy/paste/insert the second univariate map produced in step 9. The map should show county-wide variations of the transportation-related variable you selected.</a:t>
             </a:r>
             <a:endParaRPr kumimoji="0" lang="en-US" sz="1800" b="0" i="0" u="none" strike="noStrike" kern="1200" cap="none" spc="0" normalizeH="0" baseline="0" noProof="0" dirty="0">
               <a:ln>
@@ -9307,7 +9307,27 @@
                 <a:latin typeface="Calisto MT" panose="02040603050505030304"/>
                 <a:cs typeface="Courier New" panose="02070309020205020404" pitchFamily="49" charset="0"/>
               </a:rPr>
-              <a:t>In the space below, copy/paste/insert the bivariate map produced in step 8. The map should combine the public health outcome and transportation-related indicators displayed in your univariate maps.</a:t>
+              <a:t>In the space below, copy/paste/insert the bivariate map produced in </a:t>
+            </a:r>
+            <a:r>
+              <a:rPr lang="en-US">
+                <a:solidFill>
+                  <a:prstClr val="black"/>
+                </a:solidFill>
+                <a:latin typeface="Calisto MT" panose="02040603050505030304"/>
+                <a:cs typeface="Courier New" panose="02070309020205020404" pitchFamily="49" charset="0"/>
+              </a:rPr>
+              <a:t>step 9. </a:t>
+            </a:r>
+            <a:r>
+              <a:rPr lang="en-US" dirty="0">
+                <a:solidFill>
+                  <a:prstClr val="black"/>
+                </a:solidFill>
+                <a:latin typeface="Calisto MT" panose="02040603050505030304"/>
+                <a:cs typeface="Courier New" panose="02070309020205020404" pitchFamily="49" charset="0"/>
+              </a:rPr>
+              <a:t>The map should combine the public health outcome and transportation-related indicators displayed in your univariate maps.</a:t>
             </a:r>
             <a:endParaRPr kumimoji="0" lang="en-US" sz="1800" b="0" i="0" u="none" strike="noStrike" kern="1200" cap="none" spc="0" normalizeH="0" baseline="0" noProof="0" dirty="0">
               <a:ln>
